--- a/presentation/Presentazione_NutrAspect.pptx
+++ b/presentation/Presentazione_NutrAspect.pptx
@@ -114,6 +114,11 @@
       </a:defRPr>
     </a:lvl9pPr>
   </p:defaultTextStyle>
+  <p:extLst>
+    <p:ext uri="{EFAFB233-063F-42B5-8137-9DF3F51BA10A}">
+      <p15:sldGuideLst xmlns:p15="http://schemas.microsoft.com/office/powerpoint/2012/main"/>
+    </p:ext>
+  </p:extLst>
 </p:presentation>
 </file>
 
@@ -7087,7 +7092,15 @@
             </a:r>
             <a:r>
               <a:rPr lang="it-IT" dirty="0"/>
-              <a:t> per l’inserimento di un alimento</a:t>
+              <a:t> per l’inserimento di un alimento tramite </a:t>
+            </a:r>
+            <a:r>
+              <a:rPr lang="it-IT" b="1" dirty="0"/>
+              <a:t>API</a:t>
+            </a:r>
+            <a:r>
+              <a:rPr lang="it-IT" dirty="0"/>
+              <a:t> esterne</a:t>
             </a:r>
           </a:p>
           <a:p>
@@ -7883,7 +7896,7 @@
             </a:pPr>
             <a:r>
               <a:rPr lang="it-IT" dirty="0"/>
-              <a:t>     Selezione alimento	Controllo acqua	      Gestione profilo       Controllo del peso</a:t>
+              <a:t>    Selezione alimento     Monitoraggio acqua      Gestione profilo       Controllo del peso</a:t>
             </a:r>
           </a:p>
         </p:txBody>
@@ -8486,7 +8499,7 @@
             </a:pPr>
             <a:r>
               <a:rPr lang="it-IT" dirty="0"/>
-              <a:t>             nel database	     nutrizionali	         personalizzati</a:t>
+              <a:t>             dall’utente		     nutrizionali	         personalizzati</a:t>
             </a:r>
           </a:p>
         </p:txBody>
@@ -9733,12 +9746,16 @@
               <a:t>, basato sullo strumento </a:t>
             </a:r>
             <a:r>
-              <a:rPr lang="it-IT" dirty="0" err="1"/>
+              <a:rPr lang="it-IT" b="1" dirty="0" err="1"/>
               <a:t>Werkzeug</a:t>
             </a:r>
             <a:r>
+              <a:rPr lang="it-IT" b="1" dirty="0"/>
+              <a:t> WSGI </a:t>
+            </a:r>
+            <a:r>
               <a:rPr lang="it-IT" dirty="0"/>
-              <a:t> WSGI ed il motore template </a:t>
+              <a:t>ed il motore template </a:t>
             </a:r>
             <a:r>
               <a:rPr lang="it-IT" b="1" dirty="0"/>
